--- a/class 8/5.Ethics in IT/2. Presentation/Ethics 5.pptx
+++ b/class 8/5.Ethics in IT/2. Presentation/Ethics 5.pptx
@@ -10,12 +10,14 @@
   <p:sldIdLst>
     <p:sldId id="256" r:id="rId3"/>
     <p:sldId id="300" r:id="rId4"/>
-    <p:sldId id="302" r:id="rId6"/>
-    <p:sldId id="277" r:id="rId7"/>
-    <p:sldId id="299" r:id="rId8"/>
-    <p:sldId id="303" r:id="rId9"/>
-    <p:sldId id="305" r:id="rId10"/>
-    <p:sldId id="283" r:id="rId11"/>
+    <p:sldId id="308" r:id="rId6"/>
+    <p:sldId id="309" r:id="rId7"/>
+    <p:sldId id="310" r:id="rId8"/>
+    <p:sldId id="312" r:id="rId9"/>
+    <p:sldId id="311" r:id="rId10"/>
+    <p:sldId id="313" r:id="rId11"/>
+    <p:sldId id="314" r:id="rId12"/>
+    <p:sldId id="283" r:id="rId13"/>
   </p:sldIdLst>
   <p:sldSz cx="12192000" cy="6858000"/>
   <p:notesSz cx="7103745" cy="10234295"/>
@@ -641,6 +643,138 @@
 </file>
 
 <file path=ppt/notesSlides/notesSlide5.xml><?xml version="1.0" encoding="utf-8"?>
+<p:notes xmlns:a="http://schemas.openxmlformats.org/drawingml/2006/main" xmlns:r="http://schemas.openxmlformats.org/officeDocument/2006/relationships" xmlns:p="http://schemas.openxmlformats.org/presentationml/2006/main">
+  <p:cSld>
+    <p:spTree>
+      <p:nvGrpSpPr>
+        <p:cNvPr id="1" name=""/>
+        <p:cNvGrpSpPr/>
+        <p:nvPr/>
+      </p:nvGrpSpPr>
+      <p:grpSpPr/>
+      <p:sp>
+        <p:nvSpPr>
+          <p:cNvPr id="2" name="Slide Image Placeholder 1"/>
+          <p:cNvSpPr/>
+          <p:nvPr>
+            <p:ph type="sldImg" idx="2"/>
+          </p:nvPr>
+        </p:nvSpPr>
+        <p:spPr/>
+      </p:sp>
+      <p:sp>
+        <p:nvSpPr>
+          <p:cNvPr id="3" name="Text Placeholder 2"/>
+          <p:cNvSpPr/>
+          <p:nvPr>
+            <p:ph type="body" idx="3"/>
+          </p:nvPr>
+        </p:nvSpPr>
+        <p:spPr/>
+        <p:txBody>
+          <a:bodyPr/>
+          <a:p>
+            <a:endParaRPr lang="en-US"/>
+          </a:p>
+        </p:txBody>
+      </p:sp>
+    </p:spTree>
+  </p:cSld>
+  <p:clrMapOvr>
+    <a:masterClrMapping/>
+  </p:clrMapOvr>
+</p:notes>
+</file>
+
+<file path=ppt/notesSlides/notesSlide6.xml><?xml version="1.0" encoding="utf-8"?>
+<p:notes xmlns:a="http://schemas.openxmlformats.org/drawingml/2006/main" xmlns:r="http://schemas.openxmlformats.org/officeDocument/2006/relationships" xmlns:p="http://schemas.openxmlformats.org/presentationml/2006/main">
+  <p:cSld>
+    <p:spTree>
+      <p:nvGrpSpPr>
+        <p:cNvPr id="1" name=""/>
+        <p:cNvGrpSpPr/>
+        <p:nvPr/>
+      </p:nvGrpSpPr>
+      <p:grpSpPr/>
+      <p:sp>
+        <p:nvSpPr>
+          <p:cNvPr id="2" name="Slide Image Placeholder 1"/>
+          <p:cNvSpPr/>
+          <p:nvPr>
+            <p:ph type="sldImg" idx="2"/>
+          </p:nvPr>
+        </p:nvSpPr>
+        <p:spPr/>
+      </p:sp>
+      <p:sp>
+        <p:nvSpPr>
+          <p:cNvPr id="3" name="Text Placeholder 2"/>
+          <p:cNvSpPr/>
+          <p:nvPr>
+            <p:ph type="body" idx="3"/>
+          </p:nvPr>
+        </p:nvSpPr>
+        <p:spPr/>
+        <p:txBody>
+          <a:bodyPr/>
+          <a:p>
+            <a:endParaRPr lang="en-US"/>
+          </a:p>
+        </p:txBody>
+      </p:sp>
+    </p:spTree>
+  </p:cSld>
+  <p:clrMapOvr>
+    <a:masterClrMapping/>
+  </p:clrMapOvr>
+</p:notes>
+</file>
+
+<file path=ppt/notesSlides/notesSlide7.xml><?xml version="1.0" encoding="utf-8"?>
+<p:notes xmlns:a="http://schemas.openxmlformats.org/drawingml/2006/main" xmlns:r="http://schemas.openxmlformats.org/officeDocument/2006/relationships" xmlns:p="http://schemas.openxmlformats.org/presentationml/2006/main">
+  <p:cSld>
+    <p:spTree>
+      <p:nvGrpSpPr>
+        <p:cNvPr id="1" name=""/>
+        <p:cNvGrpSpPr/>
+        <p:nvPr/>
+      </p:nvGrpSpPr>
+      <p:grpSpPr/>
+      <p:sp>
+        <p:nvSpPr>
+          <p:cNvPr id="2" name="Slide Image Placeholder 1"/>
+          <p:cNvSpPr/>
+          <p:nvPr>
+            <p:ph type="sldImg" idx="2"/>
+          </p:nvPr>
+        </p:nvSpPr>
+        <p:spPr/>
+      </p:sp>
+      <p:sp>
+        <p:nvSpPr>
+          <p:cNvPr id="3" name="Text Placeholder 2"/>
+          <p:cNvSpPr/>
+          <p:nvPr>
+            <p:ph type="body" idx="3"/>
+          </p:nvPr>
+        </p:nvSpPr>
+        <p:spPr/>
+        <p:txBody>
+          <a:bodyPr/>
+          <a:p>
+            <a:endParaRPr lang="en-US"/>
+          </a:p>
+        </p:txBody>
+      </p:sp>
+    </p:spTree>
+  </p:cSld>
+  <p:clrMapOvr>
+    <a:masterClrMapping/>
+  </p:clrMapOvr>
+</p:notes>
+</file>
+
+<file path=ppt/notesSlides/notesSlide8.xml><?xml version="1.0" encoding="utf-8"?>
 <p:notes xmlns:a="http://schemas.openxmlformats.org/drawingml/2006/main" xmlns:r="http://schemas.openxmlformats.org/officeDocument/2006/relationships" xmlns:p="http://schemas.openxmlformats.org/presentationml/2006/main">
   <p:cSld>
     <p:spTree>
@@ -3821,9 +3955,26 @@
                 <a:latin typeface="Purisa" panose="02000603000000000000" charset="0"/>
                 <a:cs typeface="Purisa" panose="02000603000000000000" charset="0"/>
               </a:rPr>
-              <a:t>  lab 4</a:t>
-            </a:r>
-            <a:endParaRPr lang="en-US" altLang="en-US" sz="4800" b="1">
+              <a:t>  lab </a:t>
+            </a:r>
+            <a:r>
+              <a:rPr lang="" altLang="en-US" sz="4800" b="1">
+                <a:solidFill>
+                  <a:schemeClr val="tx1"/>
+                </a:solidFill>
+                <a:effectLst>
+                  <a:outerShdw blurRad="38100" dist="19050" dir="2700000" algn="tl" rotWithShape="0">
+                    <a:schemeClr val="dk1">
+                      <a:alpha val="40000"/>
+                    </a:schemeClr>
+                  </a:outerShdw>
+                </a:effectLst>
+                <a:latin typeface="Purisa" panose="02000603000000000000" charset="0"/>
+                <a:cs typeface="Purisa" panose="02000603000000000000" charset="0"/>
+              </a:rPr>
+              <a:t>5</a:t>
+            </a:r>
+            <a:endParaRPr lang="" altLang="en-US" sz="4800" b="1">
               <a:solidFill>
                 <a:schemeClr val="tx1"/>
               </a:solidFill>
@@ -3858,6 +4009,196 @@
           <a:xfrm>
             <a:off x="9763125" y="278130"/>
             <a:ext cx="2010410" cy="2010410"/>
+          </a:xfrm>
+          <a:prstGeom prst="rect">
+            <a:avLst/>
+          </a:prstGeom>
+        </p:spPr>
+      </p:pic>
+    </p:spTree>
+  </p:cSld>
+  <p:clrMapOvr>
+    <a:masterClrMapping/>
+  </p:clrMapOvr>
+</p:sld>
+</file>
+
+<file path=ppt/slides/slide10.xml><?xml version="1.0" encoding="utf-8"?>
+<p:sld xmlns:a="http://schemas.openxmlformats.org/drawingml/2006/main" xmlns:r="http://schemas.openxmlformats.org/officeDocument/2006/relationships" xmlns:p="http://schemas.openxmlformats.org/presentationml/2006/main">
+  <p:cSld>
+    <p:bg>
+      <p:bgPr>
+        <a:gradFill>
+          <a:gsLst>
+            <a:gs pos="94000">
+              <a:srgbClr val="54782E">
+                <a:alpha val="100000"/>
+              </a:srgbClr>
+            </a:gs>
+            <a:gs pos="99000">
+              <a:srgbClr val="557A2F">
+                <a:alpha val="100000"/>
+              </a:srgbClr>
+            </a:gs>
+            <a:gs pos="99000">
+              <a:srgbClr val="577D30">
+                <a:alpha val="100000"/>
+              </a:srgbClr>
+            </a:gs>
+            <a:gs pos="98000">
+              <a:srgbClr val="5C8433">
+                <a:alpha val="100000"/>
+              </a:srgbClr>
+            </a:gs>
+            <a:gs pos="96000">
+              <a:srgbClr val="659138">
+                <a:alpha val="100000"/>
+              </a:srgbClr>
+            </a:gs>
+            <a:gs pos="92000">
+              <a:srgbClr val="78AC42">
+                <a:alpha val="100000"/>
+              </a:srgbClr>
+            </a:gs>
+            <a:gs pos="42000">
+              <a:schemeClr val="bg1"/>
+            </a:gs>
+            <a:gs pos="100000">
+              <a:srgbClr val="52762D"/>
+            </a:gs>
+          </a:gsLst>
+          <a:lin ang="2700000" scaled="0"/>
+        </a:gradFill>
+        <a:effectLst/>
+      </p:bgPr>
+    </p:bg>
+    <p:spTree>
+      <p:nvGrpSpPr>
+        <p:cNvPr id="1" name=""/>
+        <p:cNvGrpSpPr/>
+        <p:nvPr/>
+      </p:nvGrpSpPr>
+      <p:grpSpPr/>
+      <p:pic>
+        <p:nvPicPr>
+          <p:cNvPr id="5" name="Picture 4" descr="United TrusT Logo"/>
+          <p:cNvPicPr>
+            <a:picLocks noChangeAspect="1"/>
+          </p:cNvPicPr>
+          <p:nvPr/>
+        </p:nvPicPr>
+        <p:blipFill>
+          <a:blip r:embed="rId1"/>
+          <a:stretch>
+            <a:fillRect/>
+          </a:stretch>
+        </p:blipFill>
+        <p:spPr>
+          <a:xfrm>
+            <a:off x="108585" y="6128385"/>
+            <a:ext cx="1650365" cy="634365"/>
+          </a:xfrm>
+          <a:prstGeom prst="rect">
+            <a:avLst/>
+          </a:prstGeom>
+        </p:spPr>
+      </p:pic>
+      <p:pic>
+        <p:nvPicPr>
+          <p:cNvPr id="6" name="Picture 5" descr="bdedu_logo"/>
+          <p:cNvPicPr>
+            <a:picLocks noChangeAspect="1"/>
+          </p:cNvPicPr>
+          <p:nvPr/>
+        </p:nvPicPr>
+        <p:blipFill>
+          <a:blip r:embed="rId2"/>
+          <a:stretch>
+            <a:fillRect/>
+          </a:stretch>
+        </p:blipFill>
+        <p:spPr>
+          <a:xfrm>
+            <a:off x="9440545" y="6061710"/>
+            <a:ext cx="2693670" cy="701040"/>
+          </a:xfrm>
+          <a:prstGeom prst="rect">
+            <a:avLst/>
+          </a:prstGeom>
+        </p:spPr>
+      </p:pic>
+      <p:pic>
+        <p:nvPicPr>
+          <p:cNvPr id="9" name="Picture 8"/>
+          <p:cNvPicPr>
+            <a:picLocks noChangeAspect="1"/>
+          </p:cNvPicPr>
+          <p:nvPr/>
+        </p:nvPicPr>
+        <p:blipFill>
+          <a:blip r:embed="rId3">
+            <a:lum bright="24000"/>
+          </a:blip>
+          <a:stretch>
+            <a:fillRect/>
+          </a:stretch>
+        </p:blipFill>
+        <p:spPr>
+          <a:xfrm>
+            <a:off x="108585" y="-498475"/>
+            <a:ext cx="2097405" cy="2482850"/>
+          </a:xfrm>
+          <a:prstGeom prst="rect">
+            <a:avLst/>
+          </a:prstGeom>
+          <a:noFill/>
+          <a:ln>
+            <a:noFill/>
+          </a:ln>
+        </p:spPr>
+      </p:pic>
+      <p:pic>
+        <p:nvPicPr>
+          <p:cNvPr id="8" name="Picture 7"/>
+          <p:cNvPicPr>
+            <a:picLocks noChangeAspect="1"/>
+          </p:cNvPicPr>
+          <p:nvPr/>
+        </p:nvPicPr>
+        <p:blipFill>
+          <a:blip r:embed="rId4"/>
+          <a:stretch>
+            <a:fillRect/>
+          </a:stretch>
+        </p:blipFill>
+        <p:spPr>
+          <a:xfrm rot="21000000">
+            <a:off x="349250" y="2075180"/>
+            <a:ext cx="4798060" cy="3469640"/>
+          </a:xfrm>
+          <a:prstGeom prst="rect">
+            <a:avLst/>
+          </a:prstGeom>
+        </p:spPr>
+      </p:pic>
+      <p:pic>
+        <p:nvPicPr>
+          <p:cNvPr id="2" name="Picture 1"/>
+          <p:cNvPicPr>
+            <a:picLocks noChangeAspect="1"/>
+          </p:cNvPicPr>
+          <p:nvPr/>
+        </p:nvPicPr>
+        <p:blipFill>
+          <a:blip r:embed="rId5"/>
+          <a:stretch>
+            <a:fillRect/>
+          </a:stretch>
+        </p:blipFill>
+        <p:spPr>
+          <a:xfrm>
+            <a:off x="5619750" y="-20320"/>
+            <a:ext cx="6741795" cy="6934835"/>
           </a:xfrm>
           <a:prstGeom prst="rect">
             <a:avLst/>
@@ -4140,6 +4481,16 @@
           </a:bodyPr>
           <a:p>
             <a:r>
+              <a:rPr lang="" altLang="en-US" sz="8000">
+                <a:solidFill>
+                  <a:srgbClr val="C6790C"/>
+                </a:solidFill>
+                <a:latin typeface="Uroob" panose="00000800000000000000" charset="0"/>
+                <a:cs typeface="Uroob" panose="00000800000000000000" charset="0"/>
+              </a:rPr>
+              <a:t>			</a:t>
+            </a:r>
+            <a:r>
               <a:rPr lang="en-US" altLang="en-US" sz="8000">
                 <a:solidFill>
                   <a:srgbClr val="C6790C"/>
@@ -4147,7 +4498,7 @@
                 <a:latin typeface="Uroob" panose="00000800000000000000" charset="0"/>
                 <a:cs typeface="Uroob" panose="00000800000000000000" charset="0"/>
               </a:rPr>
-              <a:t>			Hacker</a:t>
+              <a:t>Adware </a:t>
             </a:r>
             <a:endParaRPr lang="en-US" altLang="en-US" sz="8000">
               <a:solidFill>
@@ -4161,88 +4512,61 @@
       </p:sp>
       <p:sp>
         <p:nvSpPr>
-          <p:cNvPr id="3" name="Text Box 2"/>
+          <p:cNvPr id="100" name="Text Box 99"/>
           <p:cNvSpPr txBox="1"/>
           <p:nvPr/>
         </p:nvSpPr>
         <p:spPr>
           <a:xfrm>
-            <a:off x="799465" y="2344420"/>
-            <a:ext cx="8641080" cy="3169285"/>
+            <a:off x="4001770" y="4094480"/>
+            <a:ext cx="7022465" cy="1568450"/>
           </a:xfrm>
           <a:prstGeom prst="rect">
             <a:avLst/>
           </a:prstGeom>
           <a:noFill/>
-        </p:spPr>
-        <p:txBody>
-          <a:bodyPr wrap="square" rtlCol="0" anchor="t">
+          <a:ln w="9525">
+            <a:noFill/>
+          </a:ln>
+        </p:spPr>
+        <p:txBody>
+          <a:bodyPr wrap="square">
             <a:spAutoFit/>
           </a:bodyPr>
           <a:p>
-            <a:r>
-              <a:rPr lang="en-US" sz="4000">
-                <a:solidFill>
-                  <a:schemeClr val="tx1"/>
-                </a:solidFill>
-                <a:effectLst>
-                  <a:outerShdw blurRad="38100" dist="19050" dir="2700000" algn="tl" rotWithShape="0">
-                    <a:schemeClr val="dk1">
-                      <a:alpha val="40000"/>
-                    </a:schemeClr>
-                  </a:outerShdw>
-                </a:effectLst>
+            <a:pPr marL="0" indent="0"/>
+            <a:r>
+              <a:rPr lang="en-US" sz="3200" b="0">
+                <a:latin typeface="Calibri" charset="0"/>
+                <a:cs typeface="SimSun" charset="0"/>
               </a:rPr>
-              <a:t>A hacker is a person who illegally breaks into a system or network without any authorization to destroy, steal sensitive data</a:t>
-            </a:r>
-            <a:endParaRPr lang="en-US" sz="4000">
-              <a:solidFill>
-                <a:schemeClr val="tx1"/>
-              </a:solidFill>
-              <a:effectLst>
-                <a:outerShdw blurRad="38100" dist="19050" dir="2700000" algn="tl" rotWithShape="0">
-                  <a:schemeClr val="dk1">
-                    <a:alpha val="40000"/>
-                  </a:schemeClr>
-                </a:outerShdw>
-              </a:effectLst>
+              <a:t>Adware is software designed to force pre-chosen ads to display on your system</a:t>
+            </a:r>
+            <a:endParaRPr lang="en-US" sz="3200" b="0">
+              <a:latin typeface="Calibri" charset="0"/>
+              <a:cs typeface="SimSun" charset="0"/>
             </a:endParaRPr>
           </a:p>
         </p:txBody>
       </p:sp>
       <p:pic>
         <p:nvPicPr>
-          <p:cNvPr id="4" name="Picture 3"/>
+          <p:cNvPr id="2" name="Picture 1"/>
           <p:cNvPicPr>
             <a:picLocks noChangeAspect="1"/>
           </p:cNvPicPr>
           <p:nvPr/>
         </p:nvPicPr>
         <p:blipFill>
-          <a:blip r:embed="rId4">
-            <a:clrChange>
-              <a:clrFrom>
-                <a:srgbClr val="FFFFFF">
-                  <a:alpha val="100000"/>
-                </a:srgbClr>
-              </a:clrFrom>
-              <a:clrTo>
-                <a:srgbClr val="FFFFFF">
-                  <a:alpha val="100000"/>
-                  <a:alpha val="0"/>
-                </a:srgbClr>
-              </a:clrTo>
-            </a:clrChange>
-            <a:lum bright="-6000"/>
-          </a:blip>
+          <a:blip r:embed="rId4"/>
           <a:stretch>
             <a:fillRect/>
           </a:stretch>
         </p:blipFill>
         <p:spPr>
           <a:xfrm>
-            <a:off x="9339580" y="3133725"/>
-            <a:ext cx="2856865" cy="2495550"/>
+            <a:off x="360680" y="1605915"/>
+            <a:ext cx="6232525" cy="2336800"/>
           </a:xfrm>
           <a:prstGeom prst="rect">
             <a:avLst/>
@@ -4511,8 +4835,8 @@
         </p:nvSpPr>
         <p:spPr>
           <a:xfrm>
-            <a:off x="2625725" y="493395"/>
-            <a:ext cx="9508490" cy="1106805"/>
+            <a:off x="2205990" y="283845"/>
+            <a:ext cx="9508490" cy="1322070"/>
           </a:xfrm>
           <a:prstGeom prst="rect">
             <a:avLst/>
@@ -4525,16 +4849,26 @@
           </a:bodyPr>
           <a:p>
             <a:r>
-              <a:rPr lang="en-US" altLang="en-US" sz="6600">
+              <a:rPr lang="" altLang="en-US" sz="8000">
                 <a:solidFill>
                   <a:srgbClr val="C6790C"/>
                 </a:solidFill>
                 <a:latin typeface="Uroob" panose="00000800000000000000" charset="0"/>
                 <a:cs typeface="Uroob" panose="00000800000000000000" charset="0"/>
               </a:rPr>
-              <a:t>Hacking vs Ethical Hacking</a:t>
-            </a:r>
-            <a:endParaRPr lang="en-US" altLang="en-US" sz="6600">
+              <a:t>            </a:t>
+            </a:r>
+            <a:r>
+              <a:rPr lang="en-US" altLang="en-US" sz="8000">
+                <a:solidFill>
+                  <a:srgbClr val="C6790C"/>
+                </a:solidFill>
+                <a:latin typeface="Uroob" panose="00000800000000000000" charset="0"/>
+                <a:cs typeface="Uroob" panose="00000800000000000000" charset="0"/>
+              </a:rPr>
+              <a:t>Attack </a:t>
+            </a:r>
+            <a:endParaRPr lang="en-US" altLang="en-US" sz="8000">
               <a:solidFill>
                 <a:srgbClr val="C6790C"/>
               </a:solidFill>
@@ -4544,110 +4878,88 @@
           </a:p>
         </p:txBody>
       </p:sp>
-      <p:sp>
-        <p:nvSpPr>
-          <p:cNvPr id="3" name="Text Box 2"/>
-          <p:cNvSpPr txBox="1"/>
-          <p:nvPr/>
-        </p:nvSpPr>
-        <p:spPr>
-          <a:xfrm>
-            <a:off x="6384925" y="2311400"/>
-            <a:ext cx="5174615" cy="3169285"/>
-          </a:xfrm>
-          <a:prstGeom prst="rect">
-            <a:avLst/>
-          </a:prstGeom>
-          <a:noFill/>
-        </p:spPr>
-        <p:txBody>
-          <a:bodyPr wrap="square" rtlCol="0" anchor="t">
-            <a:spAutoFit/>
-          </a:bodyPr>
-          <a:p>
-            <a:r>
-              <a:rPr lang="en-US" altLang="en-US" sz="4000">
-                <a:solidFill>
-                  <a:schemeClr val="tx1"/>
-                </a:solidFill>
-                <a:effectLst>
-                  <a:outerShdw blurRad="38100" dist="19050" dir="2700000" algn="tl" rotWithShape="0">
-                    <a:schemeClr val="dk1">
-                      <a:alpha val="40000"/>
-                    </a:schemeClr>
-                  </a:outerShdw>
-                </a:effectLst>
-              </a:rPr>
-              <a:t>hacking is completely illigal </a:t>
-            </a:r>
-            <a:endParaRPr lang="en-US" altLang="en-US" sz="4000">
-              <a:solidFill>
-                <a:schemeClr val="tx1"/>
-              </a:solidFill>
-              <a:effectLst>
-                <a:outerShdw blurRad="38100" dist="19050" dir="2700000" algn="tl" rotWithShape="0">
-                  <a:schemeClr val="dk1">
-                    <a:alpha val="40000"/>
-                  </a:schemeClr>
-                </a:outerShdw>
-              </a:effectLst>
-            </a:endParaRPr>
-          </a:p>
-          <a:p>
-            <a:r>
-              <a:rPr lang="en-US" altLang="en-US" sz="4000">
-                <a:solidFill>
-                  <a:schemeClr val="tx1"/>
-                </a:solidFill>
-                <a:effectLst>
-                  <a:outerShdw blurRad="38100" dist="19050" dir="2700000" algn="tl" rotWithShape="0">
-                    <a:schemeClr val="dk1">
-                      <a:alpha val="40000"/>
-                    </a:schemeClr>
-                  </a:outerShdw>
-                </a:effectLst>
-              </a:rPr>
-              <a:t>where Ethical Hacking is a trending job today</a:t>
-            </a:r>
-            <a:endParaRPr lang="en-US" altLang="en-US" sz="4000">
-              <a:solidFill>
-                <a:schemeClr val="tx1"/>
-              </a:solidFill>
-              <a:effectLst>
-                <a:outerShdw blurRad="38100" dist="19050" dir="2700000" algn="tl" rotWithShape="0">
-                  <a:schemeClr val="dk1">
-                    <a:alpha val="40000"/>
-                  </a:schemeClr>
-                </a:outerShdw>
-              </a:effectLst>
-            </a:endParaRPr>
-          </a:p>
-        </p:txBody>
-      </p:sp>
       <p:pic>
         <p:nvPicPr>
-          <p:cNvPr id="2" name="Picture 1"/>
+          <p:cNvPr id="3" name="Picture 2" descr="IMG_256"/>
           <p:cNvPicPr>
             <a:picLocks noChangeAspect="1"/>
           </p:cNvPicPr>
           <p:nvPr/>
         </p:nvPicPr>
         <p:blipFill>
-          <a:blip r:embed="rId4"/>
+          <a:blip r:embed="rId4">
+            <a:clrChange>
+              <a:clrFrom>
+                <a:srgbClr val="FCFEFC">
+                  <a:alpha val="100000"/>
+                </a:srgbClr>
+              </a:clrFrom>
+              <a:clrTo>
+                <a:srgbClr val="FCFEFC">
+                  <a:alpha val="100000"/>
+                  <a:alpha val="0"/>
+                </a:srgbClr>
+              </a:clrTo>
+            </a:clrChange>
+            <a:lum bright="-6000"/>
+          </a:blip>
           <a:stretch>
             <a:fillRect/>
           </a:stretch>
         </p:blipFill>
         <p:spPr>
           <a:xfrm>
-            <a:off x="108585" y="2311400"/>
-            <a:ext cx="4848225" cy="3232150"/>
+            <a:off x="108585" y="1984375"/>
+            <a:ext cx="6106795" cy="3676650"/>
           </a:xfrm>
           <a:prstGeom prst="rect">
             <a:avLst/>
           </a:prstGeom>
+          <a:noFill/>
+          <a:ln w="9525">
+            <a:noFill/>
+          </a:ln>
         </p:spPr>
       </p:pic>
+      <p:sp>
+        <p:nvSpPr>
+          <p:cNvPr id="4" name="Text Box 3"/>
+          <p:cNvSpPr txBox="1"/>
+          <p:nvPr/>
+        </p:nvSpPr>
+        <p:spPr>
+          <a:xfrm>
+            <a:off x="6479540" y="2245995"/>
+            <a:ext cx="5080000" cy="3415030"/>
+          </a:xfrm>
+          <a:prstGeom prst="rect">
+            <a:avLst/>
+          </a:prstGeom>
+          <a:noFill/>
+          <a:ln w="9525">
+            <a:noFill/>
+          </a:ln>
+        </p:spPr>
+        <p:txBody>
+          <a:bodyPr>
+            <a:spAutoFit/>
+          </a:bodyPr>
+          <a:p>
+            <a:pPr marL="0" indent="0"/>
+            <a:r>
+              <a:rPr lang="en-US" sz="3600" b="0">
+                <a:latin typeface="Calibri" charset="0"/>
+                <a:cs typeface="SimSun" charset="0"/>
+              </a:rPr>
+              <a:t> An attack is an action that is done on a system to get its access and extract sensitive data</a:t>
+            </a:r>
+            <a:endParaRPr lang="en-US" sz="3600" b="0">
+              <a:latin typeface="Calibri" charset="0"/>
+              <a:cs typeface="SimSun" charset="0"/>
+            </a:endParaRPr>
+          </a:p>
+        </p:txBody>
+      </p:sp>
     </p:spTree>
   </p:cSld>
   <p:clrMapOvr>
@@ -4664,9 +4976,7 @@
         <a:gradFill>
           <a:gsLst>
             <a:gs pos="94000">
-              <a:srgbClr val="54782E">
-                <a:alpha val="100000"/>
-              </a:srgbClr>
+              <a:srgbClr val="92D050"/>
             </a:gs>
             <a:gs pos="99000">
               <a:srgbClr val="557A2F">
@@ -4700,7 +5010,7 @@
               <a:srgbClr val="52762D"/>
             </a:gs>
           </a:gsLst>
-          <a:lin ang="2700000" scaled="0"/>
+          <a:lin ang="17400000" scaled="0"/>
         </a:gradFill>
         <a:effectLst/>
       </p:bgPr>
@@ -4926,6 +5236,16 @@
           </a:bodyPr>
           <a:p>
             <a:r>
+              <a:rPr lang="" altLang="en-US" sz="8000">
+                <a:solidFill>
+                  <a:srgbClr val="C6790C"/>
+                </a:solidFill>
+                <a:latin typeface="Uroob" panose="00000800000000000000" charset="0"/>
+                <a:cs typeface="Uroob" panose="00000800000000000000" charset="0"/>
+              </a:rPr>
+              <a:t>			</a:t>
+            </a:r>
+            <a:r>
               <a:rPr lang="en-US" altLang="en-US" sz="8000">
                 <a:solidFill>
                   <a:srgbClr val="C6790C"/>
@@ -4933,7 +5253,7 @@
                 <a:latin typeface="Uroob" panose="00000800000000000000" charset="0"/>
                 <a:cs typeface="Uroob" panose="00000800000000000000" charset="0"/>
               </a:rPr>
-              <a:t>Types of Hacking</a:t>
+              <a:t>Exploit Kit</a:t>
             </a:r>
             <a:endParaRPr lang="en-US" altLang="en-US" sz="8000">
               <a:solidFill>
@@ -4945,6 +5265,45 @@
           </a:p>
         </p:txBody>
       </p:sp>
+      <p:pic>
+        <p:nvPicPr>
+          <p:cNvPr id="16" name="Picture 16" descr="exploitkit-figure-1"/>
+          <p:cNvPicPr>
+            <a:picLocks noChangeAspect="1"/>
+          </p:cNvPicPr>
+          <p:nvPr/>
+        </p:nvPicPr>
+        <p:blipFill>
+          <a:blip r:embed="rId4">
+            <a:clrChange>
+              <a:clrFrom>
+                <a:srgbClr val="FFFFFF">
+                  <a:alpha val="100000"/>
+                </a:srgbClr>
+              </a:clrFrom>
+              <a:clrTo>
+                <a:srgbClr val="FFFFFF">
+                  <a:alpha val="100000"/>
+                  <a:alpha val="0"/>
+                </a:srgbClr>
+              </a:clrTo>
+            </a:clrChange>
+            <a:lum bright="-12000"/>
+          </a:blip>
+          <a:stretch>
+            <a:fillRect/>
+          </a:stretch>
+        </p:blipFill>
+        <p:spPr>
+          <a:xfrm>
+            <a:off x="217170" y="1814830"/>
+            <a:ext cx="6516370" cy="3727450"/>
+          </a:xfrm>
+          <a:prstGeom prst="rect">
+            <a:avLst/>
+          </a:prstGeom>
+        </p:spPr>
+      </p:pic>
       <p:sp>
         <p:nvSpPr>
           <p:cNvPr id="100" name="Text Box 99"/>
@@ -4953,8 +5312,8 @@
         </p:nvSpPr>
         <p:spPr>
           <a:xfrm>
-            <a:off x="3451860" y="1984375"/>
-            <a:ext cx="5080000" cy="3046095"/>
+            <a:off x="7054215" y="2790190"/>
+            <a:ext cx="5080000" cy="2245360"/>
           </a:xfrm>
           <a:prstGeom prst="rect">
             <a:avLst/>
@@ -4969,101 +5328,21 @@
             <a:spAutoFit/>
           </a:bodyPr>
           <a:p>
-            <a:pPr marL="457200" indent="-457200">
-              <a:buFont typeface="Arial" panose="02080604020202020204" pitchFamily="34" charset="0"/>
-              <a:buChar char="•"/>
-            </a:pPr>
-            <a:r>
-              <a:rPr lang="en-US" altLang="en-US" sz="3200"/>
-              <a:t>W</a:t>
-            </a:r>
-            <a:r>
-              <a:rPr lang="en-US" sz="3200"/>
-              <a:t>ebsite Hacking </a:t>
-            </a:r>
-            <a:endParaRPr lang="en-US" sz="3200"/>
-          </a:p>
-          <a:p>
-            <a:pPr marL="457200" indent="-457200">
-              <a:buFont typeface="Arial" panose="02080604020202020204" pitchFamily="34" charset="0"/>
-              <a:buChar char="•"/>
-            </a:pPr>
-            <a:r>
-              <a:rPr lang="en-US" sz="3200"/>
-              <a:t>Network Hacking</a:t>
-            </a:r>
-            <a:endParaRPr lang="en-US" sz="3200"/>
-          </a:p>
-          <a:p>
-            <a:pPr marL="457200" indent="-457200">
-              <a:buFont typeface="Arial" panose="02080604020202020204" pitchFamily="34" charset="0"/>
-              <a:buChar char="•"/>
-            </a:pPr>
-            <a:r>
-              <a:rPr lang="en-US" sz="3200"/>
-              <a:t>Email Hacking</a:t>
-            </a:r>
-            <a:endParaRPr lang="en-US" sz="3200"/>
-          </a:p>
-          <a:p>
-            <a:pPr marL="457200" indent="-457200">
-              <a:buFont typeface="Arial" panose="02080604020202020204" pitchFamily="34" charset="0"/>
-              <a:buChar char="•"/>
-            </a:pPr>
-            <a:r>
-              <a:rPr lang="en-US" sz="3200"/>
-              <a:t>Ethical Hacking</a:t>
-            </a:r>
-            <a:endParaRPr lang="en-US" sz="3200"/>
-          </a:p>
-          <a:p>
-            <a:pPr marL="457200" indent="-457200">
-              <a:buFont typeface="Arial" panose="02080604020202020204" pitchFamily="34" charset="0"/>
-              <a:buChar char="•"/>
-            </a:pPr>
-            <a:r>
-              <a:rPr lang="en-US" sz="3200"/>
-              <a:t>Password Hacking</a:t>
-            </a:r>
-            <a:endParaRPr lang="en-US" sz="3200"/>
-          </a:p>
-          <a:p>
-            <a:pPr marL="457200" indent="-457200">
-              <a:buFont typeface="Arial" panose="02080604020202020204" pitchFamily="34" charset="0"/>
-              <a:buChar char="•"/>
-            </a:pPr>
-            <a:r>
-              <a:rPr lang="en-US" sz="3200"/>
-              <a:t>Computer Hacking</a:t>
-            </a:r>
-            <a:endParaRPr lang="en-US" sz="3200"/>
-          </a:p>
-        </p:txBody>
-      </p:sp>
-      <p:pic>
-        <p:nvPicPr>
-          <p:cNvPr id="4" name="Picture 3"/>
-          <p:cNvPicPr>
-            <a:picLocks noChangeAspect="1"/>
-          </p:cNvPicPr>
-          <p:nvPr/>
-        </p:nvPicPr>
-        <p:blipFill>
-          <a:blip r:embed="rId4"/>
-          <a:stretch>
-            <a:fillRect/>
-          </a:stretch>
-        </p:blipFill>
-        <p:spPr>
-          <a:xfrm>
-            <a:off x="1003300" y="2506345"/>
-            <a:ext cx="2002790" cy="2002790"/>
-          </a:xfrm>
-          <a:prstGeom prst="rect">
-            <a:avLst/>
-          </a:prstGeom>
-        </p:spPr>
-      </p:pic>
+            <a:pPr marL="0" indent="0"/>
+            <a:r>
+              <a:rPr lang="en-US" sz="2800" b="0">
+                <a:latin typeface="Calibri" charset="0"/>
+                <a:cs typeface="SimSun" charset="0"/>
+              </a:rPr>
+              <a:t>An exploit kit is software system designed to run on web servers, with the purpose of identifying software vulnerabilities</a:t>
+            </a:r>
+            <a:endParaRPr lang="en-US" sz="2800" b="0">
+              <a:latin typeface="Calibri" charset="0"/>
+              <a:cs typeface="SimSun" charset="0"/>
+            </a:endParaRPr>
+          </a:p>
+        </p:txBody>
+      </p:sp>
     </p:spTree>
   </p:cSld>
   <p:clrMapOvr>
@@ -5080,9 +5359,7 @@
         <a:gradFill>
           <a:gsLst>
             <a:gs pos="94000">
-              <a:srgbClr val="54782E">
-                <a:alpha val="100000"/>
-              </a:srgbClr>
+              <a:srgbClr val="92D050"/>
             </a:gs>
             <a:gs pos="99000">
               <a:srgbClr val="557A2F">
@@ -5116,7 +5393,7 @@
               <a:srgbClr val="52762D"/>
             </a:gs>
           </a:gsLst>
-          <a:lin ang="2700000" scaled="0"/>
+          <a:lin ang="17400000" scaled="0"/>
         </a:gradFill>
         <a:effectLst/>
       </p:bgPr>
@@ -5130,7 +5407,7 @@
       <p:grpSpPr/>
       <p:pic>
         <p:nvPicPr>
-          <p:cNvPr id="2" name="Picture 1"/>
+          <p:cNvPr id="5" name="Picture 4" descr="United TrusT Logo"/>
           <p:cNvPicPr>
             <a:picLocks noChangeAspect="1"/>
           </p:cNvPicPr>
@@ -5144,8 +5421,8 @@
         </p:blipFill>
         <p:spPr>
           <a:xfrm>
-            <a:off x="6359525" y="810895"/>
-            <a:ext cx="5619115" cy="5619115"/>
+            <a:off x="108585" y="6128385"/>
+            <a:ext cx="1650365" cy="634365"/>
           </a:xfrm>
           <a:prstGeom prst="rect">
             <a:avLst/>
@@ -5154,7 +5431,7 @@
       </p:pic>
       <p:pic>
         <p:nvPicPr>
-          <p:cNvPr id="5" name="Picture 4" descr="United TrusT Logo"/>
+          <p:cNvPr id="6" name="Picture 5" descr="bdedu_logo"/>
           <p:cNvPicPr>
             <a:picLocks noChangeAspect="1"/>
           </p:cNvPicPr>
@@ -5168,30 +5445,6 @@
         </p:blipFill>
         <p:spPr>
           <a:xfrm>
-            <a:off x="108585" y="6128385"/>
-            <a:ext cx="1650365" cy="634365"/>
-          </a:xfrm>
-          <a:prstGeom prst="rect">
-            <a:avLst/>
-          </a:prstGeom>
-        </p:spPr>
-      </p:pic>
-      <p:pic>
-        <p:nvPicPr>
-          <p:cNvPr id="6" name="Picture 5" descr="bdedu_logo"/>
-          <p:cNvPicPr>
-            <a:picLocks noChangeAspect="1"/>
-          </p:cNvPicPr>
-          <p:nvPr/>
-        </p:nvPicPr>
-        <p:blipFill>
-          <a:blip r:embed="rId3"/>
-          <a:stretch>
-            <a:fillRect/>
-          </a:stretch>
-        </p:blipFill>
-        <p:spPr>
-          <a:xfrm>
             <a:off x="9440545" y="6061710"/>
             <a:ext cx="2693670" cy="701040"/>
           </a:xfrm>
@@ -5209,7 +5462,7 @@
           <p:nvPr/>
         </p:nvPicPr>
         <p:blipFill>
-          <a:blip r:embed="rId4">
+          <a:blip r:embed="rId3">
             <a:lum bright="24000"/>
           </a:blip>
           <a:stretch>
@@ -5373,7 +5626,7 @@
                 <a:latin typeface="Uroob" panose="00000800000000000000" charset="0"/>
                 <a:cs typeface="Uroob" panose="00000800000000000000" charset="0"/>
               </a:rPr>
-              <a:t>Types of Hacker</a:t>
+              <a:t>            Exploit </a:t>
             </a:r>
             <a:endParaRPr lang="en-US" altLang="en-US" sz="8000">
               <a:solidFill>
@@ -5385,16 +5638,40 @@
           </a:p>
         </p:txBody>
       </p:sp>
-      <p:sp>
-        <p:nvSpPr>
-          <p:cNvPr id="100" name="Text Box 99"/>
-          <p:cNvSpPr txBox="1"/>
+      <p:pic>
+        <p:nvPicPr>
+          <p:cNvPr id="17" name="Picture 12" descr="IMG_256"/>
+          <p:cNvPicPr>
+            <a:picLocks noChangeAspect="1"/>
+          </p:cNvPicPr>
           <p:nvPr/>
-        </p:nvSpPr>
-        <p:spPr>
-          <a:xfrm>
-            <a:off x="2575560" y="1851025"/>
-            <a:ext cx="5080000" cy="3538220"/>
+        </p:nvPicPr>
+        <p:blipFill>
+          <a:blip r:embed="rId4">
+            <a:clrChange>
+              <a:clrFrom>
+                <a:srgbClr val="69CAE5">
+                  <a:alpha val="100000"/>
+                </a:srgbClr>
+              </a:clrFrom>
+              <a:clrTo>
+                <a:srgbClr val="69CAE5">
+                  <a:alpha val="100000"/>
+                  <a:alpha val="0"/>
+                </a:srgbClr>
+              </a:clrTo>
+            </a:clrChange>
+            <a:lum bright="-6000"/>
+          </a:blip>
+          <a:srcRect l="29485" b="10965"/>
+          <a:stretch>
+            <a:fillRect/>
+          </a:stretch>
+        </p:blipFill>
+        <p:spPr>
+          <a:xfrm>
+            <a:off x="-87630" y="1984375"/>
+            <a:ext cx="4859655" cy="3209290"/>
           </a:xfrm>
           <a:prstGeom prst="rect">
             <a:avLst/>
@@ -5404,86 +5681,59 @@
             <a:noFill/>
           </a:ln>
         </p:spPr>
-        <p:txBody>
-          <a:bodyPr>
+      </p:pic>
+      <p:sp>
+        <p:nvSpPr>
+          <p:cNvPr id="100" name="Text Box 99"/>
+          <p:cNvSpPr txBox="1"/>
+          <p:nvPr/>
+        </p:nvSpPr>
+        <p:spPr>
+          <a:xfrm>
+            <a:off x="5071110" y="3049905"/>
+            <a:ext cx="7062470" cy="1814830"/>
+          </a:xfrm>
+          <a:prstGeom prst="rect">
+            <a:avLst/>
+          </a:prstGeom>
+          <a:noFill/>
+          <a:ln w="9525">
+            <a:noFill/>
+          </a:ln>
+        </p:spPr>
+        <p:txBody>
+          <a:bodyPr wrap="square">
             <a:spAutoFit/>
           </a:bodyPr>
           <a:p>
-            <a:pPr marL="457200" indent="-457200">
-              <a:buFont typeface="Arial" panose="02080604020202020204" pitchFamily="34" charset="0"/>
-              <a:buChar char="•"/>
-            </a:pPr>
-            <a:r>
-              <a:rPr lang="en-US" sz="3200"/>
-              <a:t>White Hat Hackers</a:t>
-            </a:r>
-            <a:endParaRPr lang="en-US" sz="3200"/>
-          </a:p>
-          <a:p>
-            <a:pPr marL="457200" indent="-457200">
-              <a:buFont typeface="Arial" panose="02080604020202020204" pitchFamily="34" charset="0"/>
-              <a:buChar char="•"/>
-            </a:pPr>
-            <a:r>
-              <a:rPr lang="en-US" sz="3200"/>
-              <a:t>Black Hat Hackers</a:t>
-            </a:r>
-            <a:endParaRPr lang="en-US" sz="3200"/>
-          </a:p>
-          <a:p>
-            <a:pPr marL="457200" indent="-457200">
-              <a:buFont typeface="Arial" panose="02080604020202020204" pitchFamily="34" charset="0"/>
-              <a:buChar char="•"/>
-            </a:pPr>
-            <a:r>
-              <a:rPr lang="en-US" sz="3200"/>
-              <a:t>Grey Hat Hackers</a:t>
-            </a:r>
-            <a:endParaRPr lang="en-US" sz="3200"/>
-          </a:p>
-          <a:p>
-            <a:pPr marL="457200" indent="-457200">
-              <a:buFont typeface="Arial" panose="02080604020202020204" pitchFamily="34" charset="0"/>
-              <a:buChar char="•"/>
-            </a:pPr>
-            <a:r>
-              <a:rPr lang="en-US" sz="3200"/>
-              <a:t>Elite Hackers</a:t>
-            </a:r>
-            <a:endParaRPr lang="en-US" sz="3200"/>
-          </a:p>
-          <a:p>
-            <a:pPr marL="457200" indent="-457200">
-              <a:buFont typeface="Arial" panose="02080604020202020204" pitchFamily="34" charset="0"/>
-              <a:buChar char="•"/>
-            </a:pPr>
-            <a:r>
-              <a:rPr lang="en-US" sz="3200"/>
-              <a:t>Script Kiddie</a:t>
-            </a:r>
-            <a:endParaRPr lang="en-US" sz="3200"/>
-          </a:p>
-          <a:p>
-            <a:pPr marL="457200" indent="-457200">
-              <a:buFont typeface="Arial" panose="02080604020202020204" pitchFamily="34" charset="0"/>
-              <a:buChar char="•"/>
-            </a:pPr>
-            <a:r>
-              <a:rPr lang="en-US" sz="3200"/>
-              <a:t>Neophyte</a:t>
-            </a:r>
-            <a:endParaRPr lang="en-US" sz="3200"/>
-          </a:p>
-          <a:p>
-            <a:pPr marL="457200" indent="-457200">
-              <a:buFont typeface="Arial" panose="02080604020202020204" pitchFamily="34" charset="0"/>
-              <a:buChar char="•"/>
-            </a:pPr>
-            <a:r>
-              <a:rPr lang="en-US" sz="3200"/>
-              <a:t>Hacktivist</a:t>
-            </a:r>
-            <a:endParaRPr lang="en-US" sz="3200"/>
+            <a:pPr marL="266700" indent="-266700" algn="l"/>
+            <a:r>
+              <a:rPr lang="" altLang="en-US" sz="2800">
+                <a:solidFill>
+                  <a:srgbClr val="1E1C11"/>
+                </a:solidFill>
+                <a:latin typeface="Calibri" charset="0"/>
+                <a:cs typeface="SimSun" charset="0"/>
+              </a:rPr>
+              <a:t>  </a:t>
+            </a:r>
+            <a:r>
+              <a:rPr lang="en-US" sz="2800">
+                <a:solidFill>
+                  <a:srgbClr val="1E1C11"/>
+                </a:solidFill>
+                <a:latin typeface="Calibri" charset="0"/>
+                <a:cs typeface="SimSun" charset="0"/>
+              </a:rPr>
+              <a:t>Exploit is a piece of software that takes advantage of a bug or vulnerability to compromise the security of a computer </a:t>
+            </a:r>
+            <a:endParaRPr lang="en-US" sz="2800">
+              <a:solidFill>
+                <a:srgbClr val="1E1C11"/>
+              </a:solidFill>
+              <a:latin typeface="Calibri" charset="0"/>
+              <a:cs typeface="SimSun" charset="0"/>
+            </a:endParaRPr>
           </a:p>
         </p:txBody>
       </p:sp>
@@ -5503,9 +5753,7 @@
         <a:gradFill>
           <a:gsLst>
             <a:gs pos="94000">
-              <a:srgbClr val="54782E">
-                <a:alpha val="100000"/>
-              </a:srgbClr>
+              <a:srgbClr val="92D050"/>
             </a:gs>
             <a:gs pos="99000">
               <a:srgbClr val="557A2F">
@@ -5539,7 +5787,7 @@
               <a:srgbClr val="52762D"/>
             </a:gs>
           </a:gsLst>
-          <a:lin ang="2700000" scaled="0"/>
+          <a:lin ang="17400000" scaled="0"/>
         </a:gradFill>
         <a:effectLst/>
       </p:bgPr>
@@ -5765,16 +6013,16 @@
           </a:bodyPr>
           <a:p>
             <a:r>
-              <a:rPr altLang="en-US" sz="8000">
+              <a:rPr lang="en-US" altLang="en-US" sz="8000">
                 <a:solidFill>
                   <a:srgbClr val="C6790C"/>
                 </a:solidFill>
                 <a:latin typeface="Uroob" panose="00000800000000000000" charset="0"/>
                 <a:cs typeface="Uroob" panose="00000800000000000000" charset="0"/>
               </a:rPr>
-              <a:t>Advantages of Hacking</a:t>
-            </a:r>
-            <a:endParaRPr altLang="en-US" sz="8000">
+              <a:t>            Firewall </a:t>
+            </a:r>
+            <a:endParaRPr lang="en-US" altLang="en-US" sz="8000">
               <a:solidFill>
                 <a:srgbClr val="C6790C"/>
               </a:solidFill>
@@ -5784,16 +6032,39 @@
           </a:p>
         </p:txBody>
       </p:sp>
-      <p:sp>
-        <p:nvSpPr>
-          <p:cNvPr id="3" name="Text Box 2"/>
-          <p:cNvSpPr txBox="1"/>
+      <p:pic>
+        <p:nvPicPr>
+          <p:cNvPr id="18" name="Picture 13" descr="IMG_256"/>
+          <p:cNvPicPr>
+            <a:picLocks noChangeAspect="1"/>
+          </p:cNvPicPr>
           <p:nvPr/>
-        </p:nvSpPr>
-        <p:spPr>
-          <a:xfrm>
-            <a:off x="2205990" y="2597150"/>
-            <a:ext cx="8577580" cy="2061210"/>
+        </p:nvPicPr>
+        <p:blipFill>
+          <a:blip r:embed="rId4">
+            <a:clrChange>
+              <a:clrFrom>
+                <a:srgbClr val="FFFFFF">
+                  <a:alpha val="100000"/>
+                </a:srgbClr>
+              </a:clrFrom>
+              <a:clrTo>
+                <a:srgbClr val="FFFFFF">
+                  <a:alpha val="100000"/>
+                  <a:alpha val="0"/>
+                </a:srgbClr>
+              </a:clrTo>
+            </a:clrChange>
+            <a:lum bright="-6000"/>
+          </a:blip>
+          <a:stretch>
+            <a:fillRect/>
+          </a:stretch>
+        </p:blipFill>
+        <p:spPr>
+          <a:xfrm>
+            <a:off x="108585" y="1984375"/>
+            <a:ext cx="6327140" cy="3452495"/>
           </a:xfrm>
           <a:prstGeom prst="rect">
             <a:avLst/>
@@ -5803,48 +6074,59 @@
             <a:noFill/>
           </a:ln>
         </p:spPr>
-        <p:txBody>
-          <a:bodyPr wrap="square">
+      </p:pic>
+      <p:sp>
+        <p:nvSpPr>
+          <p:cNvPr id="100" name="Text Box 99"/>
+          <p:cNvSpPr txBox="1"/>
+          <p:nvPr/>
+        </p:nvSpPr>
+        <p:spPr>
+          <a:xfrm>
+            <a:off x="6782435" y="2587625"/>
+            <a:ext cx="5080000" cy="2245360"/>
+          </a:xfrm>
+          <a:prstGeom prst="rect">
+            <a:avLst/>
+          </a:prstGeom>
+          <a:noFill/>
+          <a:ln w="9525">
+            <a:noFill/>
+          </a:ln>
+        </p:spPr>
+        <p:txBody>
+          <a:bodyPr>
             <a:spAutoFit/>
           </a:bodyPr>
           <a:p>
-            <a:pPr marL="285750" indent="-285750">
-              <a:buFont typeface="Arial" panose="02080604020202020204" pitchFamily="34" charset="0"/>
-              <a:buChar char="•"/>
-            </a:pPr>
-            <a:r>
-              <a:rPr lang="en-US" sz="3200" b="0">
+            <a:pPr marL="266700" indent="-266700" algn="l"/>
+            <a:r>
+              <a:rPr lang="" altLang="en-US" sz="2800">
+                <a:solidFill>
+                  <a:srgbClr val="1E1C11"/>
+                </a:solidFill>
                 <a:latin typeface="Calibri" charset="0"/>
                 <a:cs typeface="SimSun" charset="0"/>
               </a:rPr>
-              <a:t>To perform penetration testing</a:t>
-            </a:r>
-            <a:endParaRPr lang="en-US" sz="3200" b="0">
+              <a:t>   </a:t>
+            </a:r>
+            <a:r>
+              <a:rPr lang="en-US" sz="2800">
+                <a:solidFill>
+                  <a:srgbClr val="1E1C11"/>
+                </a:solidFill>
+                <a:latin typeface="Calibri" charset="0"/>
+                <a:cs typeface="SimSun" charset="0"/>
+              </a:rPr>
+              <a:t>A firewall is a filter designed to keep unwanted intruders outside a computer system </a:t>
+            </a:r>
+            <a:endParaRPr lang="en-US" sz="2800">
+              <a:solidFill>
+                <a:srgbClr val="1E1C11"/>
+              </a:solidFill>
               <a:latin typeface="Calibri" charset="0"/>
               <a:cs typeface="SimSun" charset="0"/>
             </a:endParaRPr>
-          </a:p>
-          <a:p>
-            <a:pPr marL="285750" indent="-285750">
-              <a:buFont typeface="Arial" panose="02080604020202020204" pitchFamily="34" charset="0"/>
-              <a:buChar char="•"/>
-            </a:pPr>
-            <a:r>
-              <a:rPr lang="en-US" sz="3200"/>
-              <a:t>To recover lost information</a:t>
-            </a:r>
-            <a:endParaRPr lang="en-US" sz="3200"/>
-          </a:p>
-          <a:p>
-            <a:pPr marL="285750" indent="-285750">
-              <a:buFont typeface="Arial" panose="02080604020202020204" pitchFamily="34" charset="0"/>
-              <a:buChar char="•"/>
-            </a:pPr>
-            <a:r>
-              <a:rPr lang="en-US" sz="3200"/>
-              <a:t>prevents malicious hackers from gaining access</a:t>
-            </a:r>
-            <a:endParaRPr lang="en-US" sz="3200"/>
           </a:p>
         </p:txBody>
       </p:sp>
@@ -5864,9 +6146,7 @@
         <a:gradFill>
           <a:gsLst>
             <a:gs pos="94000">
-              <a:srgbClr val="54782E">
-                <a:alpha val="100000"/>
-              </a:srgbClr>
+              <a:srgbClr val="92D050"/>
             </a:gs>
             <a:gs pos="99000">
               <a:srgbClr val="557A2F">
@@ -5900,7 +6180,7 @@
               <a:srgbClr val="52762D"/>
             </a:gs>
           </a:gsLst>
-          <a:lin ang="2700000" scaled="0"/>
+          <a:lin ang="17400000" scaled="0"/>
         </a:gradFill>
         <a:effectLst/>
       </p:bgPr>
@@ -6126,26 +6406,16 @@
           </a:bodyPr>
           <a:p>
             <a:r>
-              <a:rPr lang="en-US" sz="8000">
+              <a:rPr lang="en-US" altLang="en-US" sz="8000">
                 <a:solidFill>
                   <a:srgbClr val="C6790C"/>
                 </a:solidFill>
                 <a:latin typeface="Uroob" panose="00000800000000000000" charset="0"/>
                 <a:cs typeface="Uroob" panose="00000800000000000000" charset="0"/>
               </a:rPr>
-              <a:t>Disa</a:t>
-            </a:r>
-            <a:r>
-              <a:rPr altLang="en-US" sz="8000">
-                <a:solidFill>
-                  <a:srgbClr val="C6790C"/>
-                </a:solidFill>
-                <a:latin typeface="Uroob" panose="00000800000000000000" charset="0"/>
-                <a:cs typeface="Uroob" panose="00000800000000000000" charset="0"/>
-              </a:rPr>
-              <a:t>dvantages of Hacking</a:t>
-            </a:r>
-            <a:endParaRPr altLang="en-US" sz="8000">
+              <a:t>            Logic bomb</a:t>
+            </a:r>
+            <a:endParaRPr lang="en-US" altLang="en-US" sz="8000">
               <a:solidFill>
                 <a:srgbClr val="C6790C"/>
               </a:solidFill>
@@ -6155,16 +6425,55 @@
           </a:p>
         </p:txBody>
       </p:sp>
-      <p:sp>
-        <p:nvSpPr>
-          <p:cNvPr id="3" name="Text Box 2"/>
+      <p:pic>
+        <p:nvPicPr>
+          <p:cNvPr id="2" name="Picture 1"/>
+          <p:cNvPicPr>
+            <a:picLocks noChangeAspect="1"/>
+          </p:cNvPicPr>
+          <p:nvPr/>
+        </p:nvPicPr>
+        <p:blipFill>
+          <a:blip r:embed="rId4">
+            <a:clrChange>
+              <a:clrFrom>
+                <a:srgbClr val="FFFFFF">
+                  <a:alpha val="100000"/>
+                </a:srgbClr>
+              </a:clrFrom>
+              <a:clrTo>
+                <a:srgbClr val="FFFFFF">
+                  <a:alpha val="100000"/>
+                  <a:alpha val="0"/>
+                </a:srgbClr>
+              </a:clrTo>
+            </a:clrChange>
+            <a:lum bright="-6000"/>
+          </a:blip>
+          <a:stretch>
+            <a:fillRect/>
+          </a:stretch>
+        </p:blipFill>
+        <p:spPr>
+          <a:xfrm>
+            <a:off x="6451600" y="1568450"/>
+            <a:ext cx="5405120" cy="4613275"/>
+          </a:xfrm>
+          <a:prstGeom prst="rect">
+            <a:avLst/>
+          </a:prstGeom>
+        </p:spPr>
+      </p:pic>
+      <p:sp>
+        <p:nvSpPr>
+          <p:cNvPr id="100" name="Text Box 99"/>
           <p:cNvSpPr txBox="1"/>
           <p:nvPr/>
         </p:nvSpPr>
         <p:spPr>
           <a:xfrm>
-            <a:off x="4015740" y="2825750"/>
-            <a:ext cx="8577580" cy="2553335"/>
+            <a:off x="1114425" y="2705100"/>
+            <a:ext cx="5080000" cy="2553335"/>
           </a:xfrm>
           <a:prstGeom prst="rect">
             <a:avLst/>
@@ -6175,65 +6484,18 @@
           </a:ln>
         </p:spPr>
         <p:txBody>
-          <a:bodyPr wrap="square">
+          <a:bodyPr>
             <a:spAutoFit/>
           </a:bodyPr>
           <a:p>
-            <a:pPr marL="285750" indent="-285750">
-              <a:buFont typeface="Arial" panose="02080604020202020204" pitchFamily="34" charset="0"/>
-              <a:buChar char="•"/>
-            </a:pPr>
+            <a:pPr marL="0" indent="0"/>
             <a:r>
               <a:rPr lang="en-US" sz="3200" b="0">
                 <a:latin typeface="Calibri" charset="0"/>
                 <a:cs typeface="SimSun" charset="0"/>
               </a:rPr>
-              <a:t> security breach.</a:t>
-            </a:r>
-            <a:endParaRPr lang="en-US" sz="3200" b="0">
-              <a:latin typeface="Calibri" charset="0"/>
-              <a:cs typeface="SimSun" charset="0"/>
-            </a:endParaRPr>
-          </a:p>
-          <a:p>
-            <a:pPr marL="285750" indent="-285750">
-              <a:buFont typeface="Arial" panose="02080604020202020204" pitchFamily="34" charset="0"/>
-              <a:buChar char="•"/>
-            </a:pPr>
-            <a:r>
-              <a:rPr lang="en-US" sz="3200" b="0">
-                <a:latin typeface="Calibri" charset="0"/>
-                <a:cs typeface="SimSun" charset="0"/>
-              </a:rPr>
-              <a:t>Unauthorized  access on private information</a:t>
-            </a:r>
-            <a:endParaRPr lang="en-US" sz="3200" b="0">
-              <a:latin typeface="Calibri" charset="0"/>
-              <a:cs typeface="SimSun" charset="0"/>
-            </a:endParaRPr>
-          </a:p>
-          <a:p>
-            <a:pPr marL="285750" indent="-285750">
-              <a:buFont typeface="Arial" panose="02080604020202020204" pitchFamily="34" charset="0"/>
-              <a:buChar char="•"/>
-            </a:pPr>
-            <a:r>
-              <a:rPr lang="en-US" sz="3200" b="0">
-                <a:latin typeface="Calibri" charset="0"/>
-                <a:cs typeface="SimSun" charset="0"/>
-              </a:rPr>
-              <a:t>Privacy violation.</a:t>
-            </a:r>
-            <a:endParaRPr lang="en-US" sz="3200" b="0">
-              <a:latin typeface="Calibri" charset="0"/>
-              <a:cs typeface="SimSun" charset="0"/>
-            </a:endParaRPr>
-          </a:p>
-          <a:p>
-            <a:pPr indent="0">
-              <a:buFont typeface="Arial" panose="02080604020202020204" pitchFamily="34" charset="0"/>
-              <a:buNone/>
-            </a:pPr>
+              <a:t>A virus secreted into a system that triggers a malicious action when certain conditions are met</a:t>
+            </a:r>
             <a:endParaRPr lang="en-US" sz="3200" b="0">
               <a:latin typeface="Calibri" charset="0"/>
               <a:cs typeface="SimSun" charset="0"/>
@@ -6257,9 +6519,7 @@
         <a:gradFill>
           <a:gsLst>
             <a:gs pos="94000">
-              <a:srgbClr val="54782E">
-                <a:alpha val="100000"/>
-              </a:srgbClr>
+              <a:srgbClr val="92D050"/>
             </a:gs>
             <a:gs pos="99000">
               <a:srgbClr val="557A2F">
@@ -6293,7 +6553,7 @@
               <a:srgbClr val="52762D"/>
             </a:gs>
           </a:gsLst>
-          <a:lin ang="2700000" scaled="0"/>
+          <a:lin ang="17400000" scaled="0"/>
         </a:gradFill>
         <a:effectLst/>
       </p:bgPr>
@@ -6383,54 +6643,620 @@
           </a:ln>
         </p:spPr>
       </p:pic>
+      <p:sp>
+        <p:nvSpPr>
+          <p:cNvPr id="10" name="Freeform 9"/>
+          <p:cNvSpPr/>
+          <p:nvPr/>
+        </p:nvSpPr>
+        <p:spPr>
+          <a:xfrm>
+            <a:off x="2205990" y="283845"/>
+            <a:ext cx="9353550" cy="1162050"/>
+          </a:xfrm>
+          <a:custGeom>
+            <a:avLst/>
+            <a:gdLst>
+              <a:gd name="connsiteX0" fmla="*/ 0 w 14730"/>
+              <a:gd name="connsiteY0" fmla="*/ 0 h 1830"/>
+              <a:gd name="connsiteX1" fmla="*/ 13869 w 14730"/>
+              <a:gd name="connsiteY1" fmla="*/ 60 h 1830"/>
+              <a:gd name="connsiteX2" fmla="*/ 14730 w 14730"/>
+              <a:gd name="connsiteY2" fmla="*/ 1830 h 1830"/>
+              <a:gd name="connsiteX3" fmla="*/ 0 w 14730"/>
+              <a:gd name="connsiteY3" fmla="*/ 1830 h 1830"/>
+              <a:gd name="connsiteX4" fmla="*/ 0 w 14730"/>
+              <a:gd name="connsiteY4" fmla="*/ 0 h 1830"/>
+            </a:gdLst>
+            <a:ahLst/>
+            <a:cxnLst>
+              <a:cxn ang="0">
+                <a:pos x="connsiteX0" y="connsiteY0"/>
+              </a:cxn>
+              <a:cxn ang="0">
+                <a:pos x="connsiteX1" y="connsiteY1"/>
+              </a:cxn>
+              <a:cxn ang="0">
+                <a:pos x="connsiteX2" y="connsiteY2"/>
+              </a:cxn>
+              <a:cxn ang="0">
+                <a:pos x="connsiteX3" y="connsiteY3"/>
+              </a:cxn>
+              <a:cxn ang="0">
+                <a:pos x="connsiteX4" y="connsiteY4"/>
+              </a:cxn>
+            </a:cxnLst>
+            <a:rect l="l" t="t" r="r" b="b"/>
+            <a:pathLst>
+              <a:path w="14730" h="1830">
+                <a:moveTo>
+                  <a:pt x="0" y="0"/>
+                </a:moveTo>
+                <a:lnTo>
+                  <a:pt x="13869" y="60"/>
+                </a:lnTo>
+                <a:lnTo>
+                  <a:pt x="14730" y="1830"/>
+                </a:lnTo>
+                <a:lnTo>
+                  <a:pt x="0" y="1830"/>
+                </a:lnTo>
+                <a:lnTo>
+                  <a:pt x="0" y="0"/>
+                </a:lnTo>
+                <a:close/>
+              </a:path>
+            </a:pathLst>
+          </a:custGeom>
+          <a:gradFill>
+            <a:gsLst>
+              <a:gs pos="80000">
+                <a:srgbClr val="92D050"/>
+              </a:gs>
+              <a:gs pos="100000">
+                <a:schemeClr val="accent1">
+                  <a:lumMod val="30000"/>
+                  <a:lumOff val="70000"/>
+                </a:schemeClr>
+              </a:gs>
+            </a:gsLst>
+            <a:path path="rect">
+              <a:fillToRect l="50000" t="50000" r="50000" b="50000"/>
+            </a:path>
+            <a:tileRect/>
+          </a:gradFill>
+          <a:ln>
+            <a:solidFill>
+              <a:schemeClr val="bg1">
+                <a:alpha val="88000"/>
+              </a:schemeClr>
+            </a:solidFill>
+          </a:ln>
+        </p:spPr>
+        <p:style>
+          <a:lnRef idx="2">
+            <a:schemeClr val="accent1">
+              <a:shade val="50000"/>
+            </a:schemeClr>
+          </a:lnRef>
+          <a:fillRef idx="1">
+            <a:schemeClr val="accent1"/>
+          </a:fillRef>
+          <a:effectRef idx="0">
+            <a:schemeClr val="accent1"/>
+          </a:effectRef>
+          <a:fontRef idx="minor">
+            <a:schemeClr val="lt1"/>
+          </a:fontRef>
+        </p:style>
+        <p:txBody>
+          <a:bodyPr rtlCol="0" anchor="ctr"/>
+          <a:p>
+            <a:pPr algn="ctr"/>
+            <a:endParaRPr lang="en-US"/>
+          </a:p>
+        </p:txBody>
+      </p:sp>
+      <p:sp>
+        <p:nvSpPr>
+          <p:cNvPr id="11" name="Text Box 10"/>
+          <p:cNvSpPr txBox="1"/>
+          <p:nvPr/>
+        </p:nvSpPr>
+        <p:spPr>
+          <a:xfrm>
+            <a:off x="2205990" y="283845"/>
+            <a:ext cx="9508490" cy="1322070"/>
+          </a:xfrm>
+          <a:prstGeom prst="rect">
+            <a:avLst/>
+          </a:prstGeom>
+          <a:noFill/>
+        </p:spPr>
+        <p:txBody>
+          <a:bodyPr wrap="square" rtlCol="0">
+            <a:spAutoFit/>
+          </a:bodyPr>
+          <a:p>
+            <a:r>
+              <a:rPr lang="en-US" altLang="en-US" sz="8000">
+                <a:solidFill>
+                  <a:srgbClr val="C6790C"/>
+                </a:solidFill>
+                <a:latin typeface="Uroob" panose="00000800000000000000" charset="0"/>
+                <a:cs typeface="Uroob" panose="00000800000000000000" charset="0"/>
+              </a:rPr>
+              <a:t>            Phishing  </a:t>
+            </a:r>
+            <a:endParaRPr lang="en-US" altLang="en-US" sz="8000">
+              <a:solidFill>
+                <a:srgbClr val="C6790C"/>
+              </a:solidFill>
+              <a:latin typeface="Uroob" panose="00000800000000000000" charset="0"/>
+              <a:cs typeface="Uroob" panose="00000800000000000000" charset="0"/>
+            </a:endParaRPr>
+          </a:p>
+        </p:txBody>
+      </p:sp>
+      <p:sp>
+        <p:nvSpPr>
+          <p:cNvPr id="100" name="Text Box 99"/>
+          <p:cNvSpPr txBox="1"/>
+          <p:nvPr/>
+        </p:nvSpPr>
+        <p:spPr>
+          <a:xfrm>
+            <a:off x="579120" y="2779078"/>
+            <a:ext cx="5080000" cy="2553335"/>
+          </a:xfrm>
+          <a:prstGeom prst="rect">
+            <a:avLst/>
+          </a:prstGeom>
+          <a:noFill/>
+          <a:ln w="9525">
+            <a:noFill/>
+          </a:ln>
+        </p:spPr>
+        <p:txBody>
+          <a:bodyPr>
+            <a:spAutoFit/>
+          </a:bodyPr>
+          <a:p>
+            <a:pPr marL="0" indent="0"/>
+            <a:r>
+              <a:rPr lang="en-US" sz="3200" b="0">
+                <a:latin typeface="Calibri" charset="0"/>
+                <a:cs typeface="SimSun" charset="0"/>
+              </a:rPr>
+              <a:t>Phishing is an e-mail fraud method to gather personal and financial information from recipients.</a:t>
+            </a:r>
+            <a:endParaRPr lang="en-US" sz="3200" b="0">
+              <a:latin typeface="Calibri" charset="0"/>
+              <a:cs typeface="SimSun" charset="0"/>
+            </a:endParaRPr>
+          </a:p>
+        </p:txBody>
+      </p:sp>
       <p:pic>
         <p:nvPicPr>
-          <p:cNvPr id="8" name="Picture 7"/>
+          <p:cNvPr id="22" name="Picture 16" descr="IMG_256"/>
           <p:cNvPicPr>
             <a:picLocks noChangeAspect="1"/>
           </p:cNvPicPr>
           <p:nvPr/>
         </p:nvPicPr>
         <p:blipFill>
-          <a:blip r:embed="rId4"/>
+          <a:blip r:embed="rId4">
+            <a:clrChange>
+              <a:clrFrom>
+                <a:srgbClr val="92C8EE">
+                  <a:alpha val="100000"/>
+                </a:srgbClr>
+              </a:clrFrom>
+              <a:clrTo>
+                <a:srgbClr val="92C8EE">
+                  <a:alpha val="100000"/>
+                  <a:alpha val="0"/>
+                </a:srgbClr>
+              </a:clrTo>
+            </a:clrChange>
+            <a:lum bright="-12000"/>
+          </a:blip>
           <a:stretch>
             <a:fillRect/>
           </a:stretch>
         </p:blipFill>
         <p:spPr>
-          <a:xfrm rot="21000000">
-            <a:off x="349250" y="2075180"/>
-            <a:ext cx="4798060" cy="3469640"/>
+          <a:xfrm>
+            <a:off x="6507798" y="2625090"/>
+            <a:ext cx="4451985" cy="2862580"/>
           </a:xfrm>
           <a:prstGeom prst="rect">
             <a:avLst/>
           </a:prstGeom>
+          <a:noFill/>
+          <a:ln w="9525">
+            <a:noFill/>
+          </a:ln>
         </p:spPr>
       </p:pic>
+    </p:spTree>
+  </p:cSld>
+  <p:clrMapOvr>
+    <a:masterClrMapping/>
+  </p:clrMapOvr>
+</p:sld>
+</file>
+
+<file path=ppt/slides/slide9.xml><?xml version="1.0" encoding="utf-8"?>
+<p:sld xmlns:a="http://schemas.openxmlformats.org/drawingml/2006/main" xmlns:r="http://schemas.openxmlformats.org/officeDocument/2006/relationships" xmlns:p="http://schemas.openxmlformats.org/presentationml/2006/main">
+  <p:cSld>
+    <p:bg>
+      <p:bgPr>
+        <a:gradFill>
+          <a:gsLst>
+            <a:gs pos="94000">
+              <a:srgbClr val="92D050"/>
+            </a:gs>
+            <a:gs pos="99000">
+              <a:srgbClr val="557A2F">
+                <a:alpha val="100000"/>
+              </a:srgbClr>
+            </a:gs>
+            <a:gs pos="99000">
+              <a:srgbClr val="577D30">
+                <a:alpha val="100000"/>
+              </a:srgbClr>
+            </a:gs>
+            <a:gs pos="98000">
+              <a:srgbClr val="5C8433">
+                <a:alpha val="100000"/>
+              </a:srgbClr>
+            </a:gs>
+            <a:gs pos="96000">
+              <a:srgbClr val="659138">
+                <a:alpha val="100000"/>
+              </a:srgbClr>
+            </a:gs>
+            <a:gs pos="92000">
+              <a:srgbClr val="78AC42">
+                <a:alpha val="100000"/>
+              </a:srgbClr>
+            </a:gs>
+            <a:gs pos="42000">
+              <a:schemeClr val="bg1"/>
+            </a:gs>
+            <a:gs pos="100000">
+              <a:srgbClr val="52762D"/>
+            </a:gs>
+          </a:gsLst>
+          <a:lin ang="17400000" scaled="0"/>
+        </a:gradFill>
+        <a:effectLst/>
+      </p:bgPr>
+    </p:bg>
+    <p:spTree>
+      <p:nvGrpSpPr>
+        <p:cNvPr id="1" name=""/>
+        <p:cNvGrpSpPr/>
+        <p:nvPr/>
+      </p:nvGrpSpPr>
+      <p:grpSpPr/>
       <p:pic>
         <p:nvPicPr>
-          <p:cNvPr id="2" name="Picture 1"/>
+          <p:cNvPr id="5" name="Picture 4" descr="United TrusT Logo"/>
           <p:cNvPicPr>
             <a:picLocks noChangeAspect="1"/>
           </p:cNvPicPr>
           <p:nvPr/>
         </p:nvPicPr>
         <p:blipFill>
-          <a:blip r:embed="rId5"/>
+          <a:blip r:embed="rId1"/>
           <a:stretch>
             <a:fillRect/>
           </a:stretch>
         </p:blipFill>
         <p:spPr>
           <a:xfrm>
-            <a:off x="5619750" y="-20320"/>
-            <a:ext cx="6741795" cy="6934835"/>
+            <a:off x="108585" y="6128385"/>
+            <a:ext cx="1650365" cy="634365"/>
           </a:xfrm>
           <a:prstGeom prst="rect">
             <a:avLst/>
           </a:prstGeom>
         </p:spPr>
       </p:pic>
+      <p:pic>
+        <p:nvPicPr>
+          <p:cNvPr id="6" name="Picture 5" descr="bdedu_logo"/>
+          <p:cNvPicPr>
+            <a:picLocks noChangeAspect="1"/>
+          </p:cNvPicPr>
+          <p:nvPr/>
+        </p:nvPicPr>
+        <p:blipFill>
+          <a:blip r:embed="rId2"/>
+          <a:stretch>
+            <a:fillRect/>
+          </a:stretch>
+        </p:blipFill>
+        <p:spPr>
+          <a:xfrm>
+            <a:off x="9440545" y="6061710"/>
+            <a:ext cx="2693670" cy="701040"/>
+          </a:xfrm>
+          <a:prstGeom prst="rect">
+            <a:avLst/>
+          </a:prstGeom>
+        </p:spPr>
+      </p:pic>
+      <p:pic>
+        <p:nvPicPr>
+          <p:cNvPr id="9" name="Picture 8"/>
+          <p:cNvPicPr>
+            <a:picLocks noChangeAspect="1"/>
+          </p:cNvPicPr>
+          <p:nvPr/>
+        </p:nvPicPr>
+        <p:blipFill>
+          <a:blip r:embed="rId3">
+            <a:lum bright="24000"/>
+          </a:blip>
+          <a:stretch>
+            <a:fillRect/>
+          </a:stretch>
+        </p:blipFill>
+        <p:spPr>
+          <a:xfrm>
+            <a:off x="108585" y="-498475"/>
+            <a:ext cx="2097405" cy="2482850"/>
+          </a:xfrm>
+          <a:prstGeom prst="rect">
+            <a:avLst/>
+          </a:prstGeom>
+          <a:noFill/>
+          <a:ln>
+            <a:noFill/>
+          </a:ln>
+        </p:spPr>
+      </p:pic>
+      <p:sp>
+        <p:nvSpPr>
+          <p:cNvPr id="10" name="Freeform 9"/>
+          <p:cNvSpPr/>
+          <p:nvPr/>
+        </p:nvSpPr>
+        <p:spPr>
+          <a:xfrm>
+            <a:off x="2205990" y="283845"/>
+            <a:ext cx="9353550" cy="1162050"/>
+          </a:xfrm>
+          <a:custGeom>
+            <a:avLst/>
+            <a:gdLst>
+              <a:gd name="connsiteX0" fmla="*/ 0 w 14730"/>
+              <a:gd name="connsiteY0" fmla="*/ 0 h 1830"/>
+              <a:gd name="connsiteX1" fmla="*/ 13869 w 14730"/>
+              <a:gd name="connsiteY1" fmla="*/ 60 h 1830"/>
+              <a:gd name="connsiteX2" fmla="*/ 14730 w 14730"/>
+              <a:gd name="connsiteY2" fmla="*/ 1830 h 1830"/>
+              <a:gd name="connsiteX3" fmla="*/ 0 w 14730"/>
+              <a:gd name="connsiteY3" fmla="*/ 1830 h 1830"/>
+              <a:gd name="connsiteX4" fmla="*/ 0 w 14730"/>
+              <a:gd name="connsiteY4" fmla="*/ 0 h 1830"/>
+            </a:gdLst>
+            <a:ahLst/>
+            <a:cxnLst>
+              <a:cxn ang="0">
+                <a:pos x="connsiteX0" y="connsiteY0"/>
+              </a:cxn>
+              <a:cxn ang="0">
+                <a:pos x="connsiteX1" y="connsiteY1"/>
+              </a:cxn>
+              <a:cxn ang="0">
+                <a:pos x="connsiteX2" y="connsiteY2"/>
+              </a:cxn>
+              <a:cxn ang="0">
+                <a:pos x="connsiteX3" y="connsiteY3"/>
+              </a:cxn>
+              <a:cxn ang="0">
+                <a:pos x="connsiteX4" y="connsiteY4"/>
+              </a:cxn>
+            </a:cxnLst>
+            <a:rect l="l" t="t" r="r" b="b"/>
+            <a:pathLst>
+              <a:path w="14730" h="1830">
+                <a:moveTo>
+                  <a:pt x="0" y="0"/>
+                </a:moveTo>
+                <a:lnTo>
+                  <a:pt x="13869" y="60"/>
+                </a:lnTo>
+                <a:lnTo>
+                  <a:pt x="14730" y="1830"/>
+                </a:lnTo>
+                <a:lnTo>
+                  <a:pt x="0" y="1830"/>
+                </a:lnTo>
+                <a:lnTo>
+                  <a:pt x="0" y="0"/>
+                </a:lnTo>
+                <a:close/>
+              </a:path>
+            </a:pathLst>
+          </a:custGeom>
+          <a:gradFill>
+            <a:gsLst>
+              <a:gs pos="80000">
+                <a:srgbClr val="92D050"/>
+              </a:gs>
+              <a:gs pos="100000">
+                <a:schemeClr val="accent1">
+                  <a:lumMod val="30000"/>
+                  <a:lumOff val="70000"/>
+                </a:schemeClr>
+              </a:gs>
+            </a:gsLst>
+            <a:path path="rect">
+              <a:fillToRect l="50000" t="50000" r="50000" b="50000"/>
+            </a:path>
+            <a:tileRect/>
+          </a:gradFill>
+          <a:ln>
+            <a:solidFill>
+              <a:schemeClr val="bg1">
+                <a:alpha val="88000"/>
+              </a:schemeClr>
+            </a:solidFill>
+          </a:ln>
+        </p:spPr>
+        <p:style>
+          <a:lnRef idx="2">
+            <a:schemeClr val="accent1">
+              <a:shade val="50000"/>
+            </a:schemeClr>
+          </a:lnRef>
+          <a:fillRef idx="1">
+            <a:schemeClr val="accent1"/>
+          </a:fillRef>
+          <a:effectRef idx="0">
+            <a:schemeClr val="accent1"/>
+          </a:effectRef>
+          <a:fontRef idx="minor">
+            <a:schemeClr val="lt1"/>
+          </a:fontRef>
+        </p:style>
+        <p:txBody>
+          <a:bodyPr rtlCol="0" anchor="ctr"/>
+          <a:p>
+            <a:pPr algn="ctr"/>
+            <a:endParaRPr lang="en-US"/>
+          </a:p>
+        </p:txBody>
+      </p:sp>
+      <p:sp>
+        <p:nvSpPr>
+          <p:cNvPr id="11" name="Text Box 10"/>
+          <p:cNvSpPr txBox="1"/>
+          <p:nvPr/>
+        </p:nvSpPr>
+        <p:spPr>
+          <a:xfrm>
+            <a:off x="2205990" y="283845"/>
+            <a:ext cx="9508490" cy="1322070"/>
+          </a:xfrm>
+          <a:prstGeom prst="rect">
+            <a:avLst/>
+          </a:prstGeom>
+          <a:noFill/>
+        </p:spPr>
+        <p:txBody>
+          <a:bodyPr wrap="square" rtlCol="0">
+            <a:spAutoFit/>
+          </a:bodyPr>
+          <a:p>
+            <a:r>
+              <a:rPr lang="en-US" altLang="en-US" sz="8000">
+                <a:solidFill>
+                  <a:srgbClr val="C6790C"/>
+                </a:solidFill>
+                <a:latin typeface="Uroob" panose="00000800000000000000" charset="0"/>
+                <a:cs typeface="Uroob" panose="00000800000000000000" charset="0"/>
+              </a:rPr>
+              <a:t>            SQL Injection</a:t>
+            </a:r>
+            <a:endParaRPr lang="en-US" altLang="en-US" sz="8000">
+              <a:solidFill>
+                <a:srgbClr val="C6790C"/>
+              </a:solidFill>
+              <a:latin typeface="Uroob" panose="00000800000000000000" charset="0"/>
+              <a:cs typeface="Uroob" panose="00000800000000000000" charset="0"/>
+            </a:endParaRPr>
+          </a:p>
+        </p:txBody>
+      </p:sp>
+      <p:pic>
+        <p:nvPicPr>
+          <p:cNvPr id="27" name="Picture 21" descr="IMG_256"/>
+          <p:cNvPicPr>
+            <a:picLocks noChangeAspect="1"/>
+          </p:cNvPicPr>
+          <p:nvPr/>
+        </p:nvPicPr>
+        <p:blipFill>
+          <a:blip r:embed="rId4">
+            <a:clrChange>
+              <a:clrFrom>
+                <a:srgbClr val="3598DB">
+                  <a:alpha val="100000"/>
+                </a:srgbClr>
+              </a:clrFrom>
+              <a:clrTo>
+                <a:srgbClr val="3598DB">
+                  <a:alpha val="100000"/>
+                  <a:alpha val="0"/>
+                </a:srgbClr>
+              </a:clrTo>
+            </a:clrChange>
+            <a:lum bright="-60000"/>
+          </a:blip>
+          <a:stretch>
+            <a:fillRect/>
+          </a:stretch>
+        </p:blipFill>
+        <p:spPr>
+          <a:xfrm>
+            <a:off x="502285" y="2157413"/>
+            <a:ext cx="5270500" cy="2541905"/>
+          </a:xfrm>
+          <a:prstGeom prst="rect">
+            <a:avLst/>
+          </a:prstGeom>
+          <a:noFill/>
+          <a:ln w="9525">
+            <a:noFill/>
+          </a:ln>
+        </p:spPr>
+      </p:pic>
+      <p:sp>
+        <p:nvSpPr>
+          <p:cNvPr id="100" name="Text Box 99"/>
+          <p:cNvSpPr txBox="1"/>
+          <p:nvPr/>
+        </p:nvSpPr>
+        <p:spPr>
+          <a:xfrm>
+            <a:off x="6318250" y="2896870"/>
+            <a:ext cx="5080000" cy="2553335"/>
+          </a:xfrm>
+          <a:prstGeom prst="rect">
+            <a:avLst/>
+          </a:prstGeom>
+          <a:noFill/>
+          <a:ln w="9525">
+            <a:noFill/>
+          </a:ln>
+        </p:spPr>
+        <p:txBody>
+          <a:bodyPr>
+            <a:spAutoFit/>
+          </a:bodyPr>
+          <a:p>
+            <a:pPr marL="0" indent="0"/>
+            <a:r>
+              <a:rPr lang="en-US" sz="3200" b="0">
+                <a:latin typeface="Calibri" charset="0"/>
+                <a:cs typeface="SimSun" charset="0"/>
+              </a:rPr>
+              <a:t>SQL injection is an SQL code injection technique, used to attack data-driven applications</a:t>
+            </a:r>
+            <a:endParaRPr lang="en-US" sz="3200" b="0">
+              <a:latin typeface="Calibri" charset="0"/>
+              <a:cs typeface="SimSun" charset="0"/>
+            </a:endParaRPr>
+          </a:p>
+        </p:txBody>
+      </p:sp>
     </p:spTree>
   </p:cSld>
   <p:clrMapOvr>
